--- a/G2_presentation.pptx
+++ b/G2_presentation.pptx
@@ -1547,7 +1547,7 @@
                 <c:formatCode>General</c:formatCode>
                 <c:ptCount val="1"/>
                 <c:pt idx="0">
-                  <c:v>93</c:v>
+                  <c:v>0.99</c:v>
                 </c:pt>
               </c:numCache>
             </c:numRef>
@@ -1600,7 +1600,7 @@
                 <c:formatCode>General</c:formatCode>
                 <c:ptCount val="1"/>
                 <c:pt idx="0">
-                  <c:v>91</c:v>
+                  <c:v>0.99</c:v>
                 </c:pt>
               </c:numCache>
             </c:numRef>
@@ -1653,7 +1653,7 @@
                 <c:formatCode>General</c:formatCode>
                 <c:ptCount val="1"/>
                 <c:pt idx="0">
-                  <c:v>92</c:v>
+                  <c:v>0.99</c:v>
                 </c:pt>
               </c:numCache>
             </c:numRef>
@@ -7415,39 +7415,67 @@
           <a:lstStyle/>
           <a:p>
             <a:r>
-              <a:rPr lang="en-US"/>
-              <a:t>Accuracy with training data (sales.csv)</a:t>
-            </a:r>
-          </a:p>
-          <a:p>
-            <a:r>
-              <a:rPr lang="en-US"/>
+              <a:rPr lang="en-US" dirty="0"/>
+              <a:t>Accuracy with training data (</a:t>
+            </a:r>
+            <a:r>
+              <a:rPr lang="en-US" dirty="0" err="1"/>
+              <a:t>sales.csv</a:t>
+            </a:r>
+            <a:r>
+              <a:rPr lang="en-US" dirty="0"/>
+              <a:t>)</a:t>
+            </a:r>
+          </a:p>
+          <a:p>
+            <a:r>
+              <a:rPr lang="en-US" dirty="0">
+                <a:solidFill>
+                  <a:srgbClr val="FF0000"/>
+                </a:solidFill>
+              </a:rPr>
               <a:t>Best model</a:t>
             </a:r>
           </a:p>
           <a:p>
             <a:r>
-              <a:rPr lang="en-US"/>
+              <a:rPr lang="en-US" dirty="0">
+                <a:solidFill>
+                  <a:srgbClr val="FF0000"/>
+                </a:solidFill>
+              </a:rPr>
               <a:t>R</a:t>
             </a:r>
             <a:r>
-              <a:rPr lang="en-US" baseline="30000"/>
+              <a:rPr lang="en-US" baseline="30000" dirty="0">
+                <a:solidFill>
+                  <a:srgbClr val="FF0000"/>
+                </a:solidFill>
+              </a:rPr>
               <a:t>2</a:t>
             </a:r>
             <a:r>
-              <a:rPr lang="en-US"/>
+              <a:rPr lang="en-US" dirty="0">
+                <a:solidFill>
+                  <a:srgbClr val="FF0000"/>
+                </a:solidFill>
+              </a:rPr>
               <a:t> Prediction: how much you think your model will perform with real life data</a:t>
             </a:r>
           </a:p>
           <a:p>
             <a:r>
-              <a:rPr lang="en-US"/>
+              <a:rPr lang="en-US" dirty="0"/>
               <a:t>Quick recap of alternatives considered</a:t>
             </a:r>
           </a:p>
           <a:p>
             <a:r>
-              <a:rPr lang="en-US"/>
+              <a:rPr lang="en-US" dirty="0">
+                <a:solidFill>
+                  <a:srgbClr val="FF0000"/>
+                </a:solidFill>
+              </a:rPr>
               <a:t>Other important considerations</a:t>
             </a:r>
           </a:p>
@@ -7786,8 +7814,12 @@
           <a:lstStyle/>
           <a:p>
             <a:r>
-              <a:rPr lang="en-US"/>
-              <a:t>Selected model</a:t>
+              <a:rPr lang="en-US" dirty="0" err="1"/>
+              <a:t>RandomForest</a:t>
+            </a:r>
+            <a:r>
+              <a:rPr lang="en-US" dirty="0"/>
+              <a:t> Regression</a:t>
             </a:r>
           </a:p>
         </p:txBody>
@@ -7808,20 +7840,73 @@
             <p:ph idx="1"/>
           </p:nvPr>
         </p:nvSpPr>
-        <p:spPr/>
+        <p:spPr>
+          <a:xfrm>
+            <a:off x="838200" y="1825625"/>
+            <a:ext cx="6352309" cy="4351338"/>
+          </a:xfrm>
+        </p:spPr>
         <p:txBody>
-          <a:bodyPr/>
+          <a:bodyPr>
+            <a:normAutofit/>
+          </a:bodyPr>
           <a:lstStyle/>
           <a:p>
             <a:r>
-              <a:rPr lang="en-US"/>
-              <a:t>Explain the details of your model</a:t>
-            </a:r>
-          </a:p>
-          <a:p>
-            <a:r>
-              <a:rPr lang="en-US"/>
-              <a:t>Explain the results</a:t>
+              <a:rPr lang="en-US" sz="2000" b="1" dirty="0"/>
+              <a:t>Random Forest Regression</a:t>
+            </a:r>
+            <a:r>
+              <a:rPr lang="en-US" sz="2000" dirty="0"/>
+              <a:t>: Chosen for its ability to handle non-linear relationships and robust feature selection.</a:t>
+            </a:r>
+          </a:p>
+          <a:p>
+            <a:r>
+              <a:rPr lang="en-US" sz="2000" b="1" dirty="0"/>
+              <a:t>Training and Validation</a:t>
+            </a:r>
+            <a:r>
+              <a:rPr lang="en-US" sz="2000" dirty="0"/>
+              <a:t>: Achieved consistent accuracy (~99%) for both training and validation datasets, indicating balanced performance.</a:t>
+            </a:r>
+          </a:p>
+          <a:p>
+            <a:r>
+              <a:rPr lang="en-US" sz="2000" b="1" dirty="0"/>
+              <a:t>Model Strength</a:t>
+            </a:r>
+            <a:r>
+              <a:rPr lang="en-US" sz="2000" dirty="0"/>
+              <a:t>: Reliable in predicting sales with minimal overfitting and high R² for unseen data.</a:t>
+            </a:r>
+          </a:p>
+          <a:p>
+            <a:r>
+              <a:rPr lang="en-US" sz="2000" b="1" dirty="0"/>
+              <a:t>Key Features</a:t>
+            </a:r>
+            <a:r>
+              <a:rPr lang="en-US" sz="2000" dirty="0"/>
+              <a:t>: Incorporated categorical variables (e.g., </a:t>
+            </a:r>
+            <a:r>
+              <a:rPr lang="en-US" sz="2000" dirty="0" err="1"/>
+              <a:t>state_holiday</a:t>
+            </a:r>
+            <a:r>
+              <a:rPr lang="en-US" sz="2000" dirty="0"/>
+              <a:t>) and scaled numeric features for optimal performance.</a:t>
+            </a:r>
+          </a:p>
+          <a:p>
+            <a:r>
+              <a:rPr lang="en-US" sz="2000" b="1" dirty="0"/>
+              <a:t>Outcome</a:t>
+            </a:r>
+            <a:r>
+              <a:rPr lang="en-US" sz="2000" dirty="0"/>
+              <a:t>: Validated predictions align closely with all other models, but with not being 100%</a:t>
             </a:r>
           </a:p>
         </p:txBody>
@@ -7839,14 +7924,14 @@
           <p:nvPr>
             <p:extLst>
               <p:ext uri="{D42A27DB-BD31-4B8C-83A1-F6EECF244321}">
-                <p14:modId xmlns:p14="http://schemas.microsoft.com/office/powerpoint/2010/main" val="3935977066"/>
+                <p14:modId xmlns:p14="http://schemas.microsoft.com/office/powerpoint/2010/main" val="858541825"/>
               </p:ext>
             </p:extLst>
           </p:nvPr>
         </p:nvGraphicFramePr>
         <p:xfrm>
-          <a:off x="8573530" y="1282380"/>
-          <a:ext cx="2780270" cy="2757780"/>
+          <a:off x="8063345" y="1282379"/>
+          <a:ext cx="3290455" cy="3206493"/>
         </p:xfrm>
         <a:graphic>
           <a:graphicData uri="http://schemas.openxmlformats.org/drawingml/2006/chart">
